--- a/ppt/Chap4.pptx
+++ b/ppt/Chap4.pptx
@@ -254,7 +254,7 @@
           <a:p>
             <a:fld id="{17FB36FB-C10C-479A-9DFD-15DEB134881C}" type="datetimeFigureOut">
               <a:rPr lang="ko-KR" altLang="en-US" smtClean="0"/>
-              <a:t>2019-09-29</a:t>
+              <a:t>2019-10-02</a:t>
             </a:fld>
             <a:endParaRPr lang="ko-KR" altLang="en-US"/>
           </a:p>
@@ -767,7 +767,7 @@
           <a:p>
             <a:fld id="{C764DE79-268F-4C1A-8933-263129D2AF90}" type="datetimeFigureOut">
               <a:rPr lang="en-US" dirty="0"/>
-              <a:t>9/29/2019</a:t>
+              <a:t>10/2/2019</a:t>
             </a:fld>
             <a:endParaRPr lang="en-US" dirty="0"/>
           </a:p>
@@ -1024,7 +1024,7 @@
           <a:p>
             <a:fld id="{C764DE79-268F-4C1A-8933-263129D2AF90}" type="datetimeFigureOut">
               <a:rPr lang="en-US" dirty="0"/>
-              <a:t>9/29/2019</a:t>
+              <a:t>10/2/2019</a:t>
             </a:fld>
             <a:endParaRPr lang="en-US" dirty="0"/>
           </a:p>
@@ -1194,7 +1194,7 @@
           <a:p>
             <a:fld id="{C764DE79-268F-4C1A-8933-263129D2AF90}" type="datetimeFigureOut">
               <a:rPr lang="en-US" dirty="0"/>
-              <a:t>9/29/2019</a:t>
+              <a:t>10/2/2019</a:t>
             </a:fld>
             <a:endParaRPr lang="en-US" dirty="0"/>
           </a:p>
@@ -1374,7 +1374,7 @@
           <a:p>
             <a:fld id="{C764DE79-268F-4C1A-8933-263129D2AF90}" type="datetimeFigureOut">
               <a:rPr lang="en-US" dirty="0"/>
-              <a:t>9/29/2019</a:t>
+              <a:t>10/2/2019</a:t>
             </a:fld>
             <a:endParaRPr lang="en-US" dirty="0"/>
           </a:p>
@@ -1626,7 +1626,7 @@
           <a:p>
             <a:fld id="{C764DE79-268F-4C1A-8933-263129D2AF90}" type="datetimeFigureOut">
               <a:rPr lang="en-US" dirty="0"/>
-              <a:t>9/29/2019</a:t>
+              <a:t>10/2/2019</a:t>
             </a:fld>
             <a:endParaRPr lang="en-US" dirty="0"/>
           </a:p>
@@ -1796,7 +1796,7 @@
           <a:p>
             <a:fld id="{C764DE79-268F-4C1A-8933-263129D2AF90}" type="datetimeFigureOut">
               <a:rPr lang="en-US" dirty="0"/>
-              <a:t>9/29/2019</a:t>
+              <a:t>10/2/2019</a:t>
             </a:fld>
             <a:endParaRPr lang="en-US" dirty="0"/>
           </a:p>
@@ -2040,7 +2040,7 @@
           <a:p>
             <a:fld id="{C764DE79-268F-4C1A-8933-263129D2AF90}" type="datetimeFigureOut">
               <a:rPr lang="en-US" dirty="0"/>
-              <a:t>9/29/2019</a:t>
+              <a:t>10/2/2019</a:t>
             </a:fld>
             <a:endParaRPr lang="en-US" dirty="0"/>
           </a:p>
@@ -2272,7 +2272,7 @@
           <a:p>
             <a:fld id="{C764DE79-268F-4C1A-8933-263129D2AF90}" type="datetimeFigureOut">
               <a:rPr lang="en-US" dirty="0"/>
-              <a:t>9/29/2019</a:t>
+              <a:t>10/2/2019</a:t>
             </a:fld>
             <a:endParaRPr lang="en-US" dirty="0"/>
           </a:p>
@@ -2639,7 +2639,7 @@
           <a:p>
             <a:fld id="{C764DE79-268F-4C1A-8933-263129D2AF90}" type="datetimeFigureOut">
               <a:rPr lang="en-US" dirty="0"/>
-              <a:t>9/29/2019</a:t>
+              <a:t>10/2/2019</a:t>
             </a:fld>
             <a:endParaRPr lang="en-US" dirty="0"/>
           </a:p>
@@ -2757,7 +2757,7 @@
           <a:p>
             <a:fld id="{C764DE79-268F-4C1A-8933-263129D2AF90}" type="datetimeFigureOut">
               <a:rPr lang="en-US" dirty="0"/>
-              <a:t>9/29/2019</a:t>
+              <a:t>10/2/2019</a:t>
             </a:fld>
             <a:endParaRPr lang="en-US" dirty="0"/>
           </a:p>
@@ -2852,7 +2852,7 @@
           <a:p>
             <a:fld id="{C764DE79-268F-4C1A-8933-263129D2AF90}" type="datetimeFigureOut">
               <a:rPr lang="en-US" dirty="0"/>
-              <a:t>9/29/2019</a:t>
+              <a:t>10/2/2019</a:t>
             </a:fld>
             <a:endParaRPr lang="en-US" dirty="0"/>
           </a:p>
@@ -3488,7 +3488,7 @@
           <a:p>
             <a:fld id="{C764DE79-268F-4C1A-8933-263129D2AF90}" type="datetimeFigureOut">
               <a:rPr lang="en-US" dirty="0"/>
-              <a:t>9/29/2019</a:t>
+              <a:t>10/2/2019</a:t>
             </a:fld>
             <a:endParaRPr lang="en-US" dirty="0"/>
           </a:p>
@@ -9264,10 +9264,10 @@
       </p:sp>
       <p:pic>
         <p:nvPicPr>
-          <p:cNvPr id="10" name="그림 9">
+          <p:cNvPr id="5" name="그림 4">
             <a:extLst>
               <a:ext uri="{FF2B5EF4-FFF2-40B4-BE49-F238E27FC236}">
-                <a16:creationId xmlns:a16="http://schemas.microsoft.com/office/drawing/2014/main" id="{D14106EA-BB5E-4AC0-B790-4CE438639CDF}"/>
+                <a16:creationId xmlns:a16="http://schemas.microsoft.com/office/drawing/2014/main" id="{8296C187-41BB-4FFF-9164-C2B85DAE2031}"/>
               </a:ext>
             </a:extLst>
           </p:cNvPr>
@@ -9294,8 +9294,8 @@
         </p:blipFill>
         <p:spPr>
           <a:xfrm>
-            <a:off x="2736288" y="4897712"/>
-            <a:ext cx="3671424" cy="436401"/>
+            <a:off x="2411701" y="4897713"/>
+            <a:ext cx="4320597" cy="436401"/>
           </a:xfrm>
           <a:prstGeom prst="rect">
             <a:avLst/>
@@ -16902,10 +16902,10 @@
 <p:tagLst xmlns:a="http://schemas.openxmlformats.org/drawingml/2006/main" xmlns:r="http://schemas.openxmlformats.org/officeDocument/2006/relationships" xmlns:p="http://schemas.openxmlformats.org/presentationml/2006/main">
   <p:tag name="OUTPUTDPI" val="1200"/>
   <p:tag name="ORIGINALHEIGHT" val="150.7312"/>
-  <p:tag name="ORIGINALWIDTH" val="1268.092"/>
-  <p:tag name="LATEXADDIN" val="\documentclass{article}&#10;\usepackage{amsmath}&#10;\pagestyle{empty}&#10;\begin{document}&#10;&#10;$&#10;J(\Theta)=-\frac{1}{m}\sum_{i=1}^m {\boldsymbol{y} \cdot \boldsymbol{\hat{p_i}} }&#10;$&#10;&#10;\end{document}"/>
+  <p:tag name="ORIGINALWIDTH" val="1492.313"/>
+  <p:tag name="LATEXADDIN" val="\documentclass{article}&#10;\usepackage{amsmath}&#10;\pagestyle{empty}&#10;\begin{document}&#10;&#10;$&#10;J(\Theta)=-\frac{1}{m}\sum_{i=1}^m {\boldsymbol{y_i} \cdot \log\boldsymbol{\hat{p_i}} }&#10;$&#10;&#10;\end{document}"/>
   <p:tag name="IGUANATEXSIZE" val="20"/>
-  <p:tag name="IGUANATEXCURSOR" val="162"/>
+  <p:tag name="IGUANATEXCURSOR" val="134"/>
   <p:tag name="TRANSPARENCY" val="True"/>
   <p:tag name="FILENAME" val=""/>
   <p:tag name="LATEXENGINEID" val="0"/>
